--- a/doc/Cluster Service Health Monitor_DesignDoc.pptx
+++ b/doc/Cluster Service Health Monitor_DesignDoc.pptx
@@ -5,7 +5,7 @@
     <p:sldMasterId id="2147483648" r:id="rId1"/>
   </p:sldMasterIdLst>
   <p:notesMasterIdLst>
-    <p:notesMasterId r:id="rId10"/>
+    <p:notesMasterId r:id="rId11"/>
   </p:notesMasterIdLst>
   <p:sldIdLst>
     <p:sldId id="257" r:id="rId2"/>
@@ -16,6 +16,7 @@
     <p:sldId id="263" r:id="rId7"/>
     <p:sldId id="264" r:id="rId8"/>
     <p:sldId id="265" r:id="rId9"/>
+    <p:sldId id="266" r:id="rId10"/>
   </p:sldIdLst>
   <p:sldSz cx="12192000" cy="6858000"/>
   <p:notesSz cx="6858000" cy="9144000"/>
@@ -114,6 +115,11 @@
       </a:defRPr>
     </a:lvl9pPr>
   </p:defaultTextStyle>
+  <p:extLst>
+    <p:ext uri="{EFAFB233-063F-42B5-8137-9DF3F51BA10A}">
+      <p15:sldGuideLst xmlns:p15="http://schemas.microsoft.com/office/powerpoint/2012/main"/>
+    </p:ext>
+  </p:extLst>
 </p:presentation>
 </file>
 
@@ -199,7 +205,7 @@
           <a:p>
             <a:fld id="{E122AC02-B92E-41D9-886A-21087C8DA947}" type="datetimeFigureOut">
               <a:rPr lang="en-SG" smtClean="0"/>
-              <a:t>22/3/2023</a:t>
+              <a:t>23/3/2023</a:t>
             </a:fld>
             <a:endParaRPr lang="en-SG"/>
           </a:p>
@@ -887,6 +893,90 @@
 </p:notes>
 </file>
 
+<file path=ppt/notesSlides/notesSlide6.xml><?xml version="1.0" encoding="utf-8"?>
+<p:notes xmlns:a="http://schemas.openxmlformats.org/drawingml/2006/main" xmlns:r="http://schemas.openxmlformats.org/officeDocument/2006/relationships" xmlns:p="http://schemas.openxmlformats.org/presentationml/2006/main">
+  <p:cSld>
+    <p:spTree>
+      <p:nvGrpSpPr>
+        <p:cNvPr id="1" name=""/>
+        <p:cNvGrpSpPr/>
+        <p:nvPr/>
+      </p:nvGrpSpPr>
+      <p:grpSpPr>
+        <a:xfrm>
+          <a:off x="0" y="0"/>
+          <a:ext cx="0" cy="0"/>
+          <a:chOff x="0" y="0"/>
+          <a:chExt cx="0" cy="0"/>
+        </a:xfrm>
+      </p:grpSpPr>
+      <p:sp>
+        <p:nvSpPr>
+          <p:cNvPr id="2" name="Slide Image Placeholder 1"/>
+          <p:cNvSpPr>
+            <a:spLocks noGrp="1" noRot="1" noChangeAspect="1"/>
+          </p:cNvSpPr>
+          <p:nvPr>
+            <p:ph type="sldImg"/>
+          </p:nvPr>
+        </p:nvSpPr>
+        <p:spPr/>
+      </p:sp>
+      <p:sp>
+        <p:nvSpPr>
+          <p:cNvPr id="3" name="Notes Placeholder 2"/>
+          <p:cNvSpPr>
+            <a:spLocks noGrp="1"/>
+          </p:cNvSpPr>
+          <p:nvPr>
+            <p:ph type="body" idx="1"/>
+          </p:nvPr>
+        </p:nvSpPr>
+        <p:spPr/>
+        <p:txBody>
+          <a:bodyPr/>
+          <a:lstStyle/>
+          <a:p>
+            <a:endParaRPr lang="en-SG" dirty="0"/>
+          </a:p>
+        </p:txBody>
+      </p:sp>
+      <p:sp>
+        <p:nvSpPr>
+          <p:cNvPr id="4" name="Slide Number Placeholder 3"/>
+          <p:cNvSpPr>
+            <a:spLocks noGrp="1"/>
+          </p:cNvSpPr>
+          <p:nvPr>
+            <p:ph type="sldNum" sz="quarter" idx="5"/>
+          </p:nvPr>
+        </p:nvSpPr>
+        <p:spPr/>
+        <p:txBody>
+          <a:bodyPr/>
+          <a:lstStyle/>
+          <a:p>
+            <a:fld id="{DD5034F5-A7AB-479A-8692-E4A43AA6F5F5}" type="slidenum">
+              <a:rPr lang="en-SG" smtClean="0"/>
+              <a:t>9</a:t>
+            </a:fld>
+            <a:endParaRPr lang="en-SG"/>
+          </a:p>
+        </p:txBody>
+      </p:sp>
+    </p:spTree>
+    <p:extLst>
+      <p:ext uri="{BB962C8B-B14F-4D97-AF65-F5344CB8AC3E}">
+        <p14:creationId xmlns:p14="http://schemas.microsoft.com/office/powerpoint/2010/main" val="771432265"/>
+      </p:ext>
+    </p:extLst>
+  </p:cSld>
+  <p:clrMapOvr>
+    <a:masterClrMapping/>
+  </p:clrMapOvr>
+</p:notes>
+</file>
+
 <file path=ppt/slideLayouts/slideLayout1.xml><?xml version="1.0" encoding="utf-8"?>
 <p:sldLayout xmlns:a="http://schemas.openxmlformats.org/drawingml/2006/main" xmlns:r="http://schemas.openxmlformats.org/officeDocument/2006/relationships" xmlns:p="http://schemas.openxmlformats.org/presentationml/2006/main" type="title" preserve="1">
   <p:cSld name="Title Slide">
@@ -1036,7 +1126,7 @@
           <a:p>
             <a:fld id="{0D7D87DA-52D1-4FCF-86E4-E01EA409C95E}" type="datetimeFigureOut">
               <a:rPr lang="en-SG" smtClean="0"/>
-              <a:t>22/3/2023</a:t>
+              <a:t>23/3/2023</a:t>
             </a:fld>
             <a:endParaRPr lang="en-SG"/>
           </a:p>
@@ -1236,7 +1326,7 @@
           <a:p>
             <a:fld id="{0D7D87DA-52D1-4FCF-86E4-E01EA409C95E}" type="datetimeFigureOut">
               <a:rPr lang="en-SG" smtClean="0"/>
-              <a:t>22/3/2023</a:t>
+              <a:t>23/3/2023</a:t>
             </a:fld>
             <a:endParaRPr lang="en-SG"/>
           </a:p>
@@ -1446,7 +1536,7 @@
           <a:p>
             <a:fld id="{0D7D87DA-52D1-4FCF-86E4-E01EA409C95E}" type="datetimeFigureOut">
               <a:rPr lang="en-SG" smtClean="0"/>
-              <a:t>22/3/2023</a:t>
+              <a:t>23/3/2023</a:t>
             </a:fld>
             <a:endParaRPr lang="en-SG"/>
           </a:p>
@@ -1646,7 +1736,7 @@
           <a:p>
             <a:fld id="{0D7D87DA-52D1-4FCF-86E4-E01EA409C95E}" type="datetimeFigureOut">
               <a:rPr lang="en-SG" smtClean="0"/>
-              <a:t>22/3/2023</a:t>
+              <a:t>23/3/2023</a:t>
             </a:fld>
             <a:endParaRPr lang="en-SG"/>
           </a:p>
@@ -1922,7 +2012,7 @@
           <a:p>
             <a:fld id="{0D7D87DA-52D1-4FCF-86E4-E01EA409C95E}" type="datetimeFigureOut">
               <a:rPr lang="en-SG" smtClean="0"/>
-              <a:t>22/3/2023</a:t>
+              <a:t>23/3/2023</a:t>
             </a:fld>
             <a:endParaRPr lang="en-SG"/>
           </a:p>
@@ -2190,7 +2280,7 @@
           <a:p>
             <a:fld id="{0D7D87DA-52D1-4FCF-86E4-E01EA409C95E}" type="datetimeFigureOut">
               <a:rPr lang="en-SG" smtClean="0"/>
-              <a:t>22/3/2023</a:t>
+              <a:t>23/3/2023</a:t>
             </a:fld>
             <a:endParaRPr lang="en-SG"/>
           </a:p>
@@ -2605,7 +2695,7 @@
           <a:p>
             <a:fld id="{0D7D87DA-52D1-4FCF-86E4-E01EA409C95E}" type="datetimeFigureOut">
               <a:rPr lang="en-SG" smtClean="0"/>
-              <a:t>22/3/2023</a:t>
+              <a:t>23/3/2023</a:t>
             </a:fld>
             <a:endParaRPr lang="en-SG"/>
           </a:p>
@@ -2747,7 +2837,7 @@
           <a:p>
             <a:fld id="{0D7D87DA-52D1-4FCF-86E4-E01EA409C95E}" type="datetimeFigureOut">
               <a:rPr lang="en-SG" smtClean="0"/>
-              <a:t>22/3/2023</a:t>
+              <a:t>23/3/2023</a:t>
             </a:fld>
             <a:endParaRPr lang="en-SG"/>
           </a:p>
@@ -2860,7 +2950,7 @@
           <a:p>
             <a:fld id="{0D7D87DA-52D1-4FCF-86E4-E01EA409C95E}" type="datetimeFigureOut">
               <a:rPr lang="en-SG" smtClean="0"/>
-              <a:t>22/3/2023</a:t>
+              <a:t>23/3/2023</a:t>
             </a:fld>
             <a:endParaRPr lang="en-SG"/>
           </a:p>
@@ -3173,7 +3263,7 @@
           <a:p>
             <a:fld id="{0D7D87DA-52D1-4FCF-86E4-E01EA409C95E}" type="datetimeFigureOut">
               <a:rPr lang="en-SG" smtClean="0"/>
-              <a:t>22/3/2023</a:t>
+              <a:t>23/3/2023</a:t>
             </a:fld>
             <a:endParaRPr lang="en-SG"/>
           </a:p>
@@ -3462,7 +3552,7 @@
           <a:p>
             <a:fld id="{0D7D87DA-52D1-4FCF-86E4-E01EA409C95E}" type="datetimeFigureOut">
               <a:rPr lang="en-SG" smtClean="0"/>
-              <a:t>22/3/2023</a:t>
+              <a:t>23/3/2023</a:t>
             </a:fld>
             <a:endParaRPr lang="en-SG"/>
           </a:p>
@@ -3705,7 +3795,7 @@
           <a:p>
             <a:fld id="{0D7D87DA-52D1-4FCF-86E4-E01EA409C95E}" type="datetimeFigureOut">
               <a:rPr lang="en-SG" smtClean="0"/>
-              <a:t>22/3/2023</a:t>
+              <a:t>23/3/2023</a:t>
             </a:fld>
             <a:endParaRPr lang="en-SG"/>
           </a:p>
@@ -4474,7 +4564,7 @@
             <a:pPr algn="just"/>
             <a:r>
               <a:rPr lang="en-US" sz="1600" b="1" dirty="0"/>
-              <a:t>The Cluster Service Heath Monitor is a system's function/service monitoring program to check and evaluate the cyber security computing cluster's critical points (node, service, function, file system) availability in real time during the cyber exercise. The system contents 3 main parts and the system workflow diagram is shown below: </a:t>
+              <a:t>The Cluster Service Heath Monitor is a system function/service monitoring program to check and evaluate the cyber security computing cluster's critical points (node, service, function, file system) availability in real time during the cyber exercise. The system contents three main parts and the system workflow diagram is shown below: </a:t>
             </a:r>
           </a:p>
         </p:txBody>
@@ -4517,7 +4607,7 @@
             </a:r>
             <a:r>
               <a:rPr lang="en-US" sz="1600" dirty="0"/>
-              <a:t>A service checking lib with server different prober functions (such as check NTP, FTP, VNC, </a:t>
+              <a:t>A service checking lib with several different prober functions (such as check NTP, FTP, VNC, </a:t>
             </a:r>
             <a:r>
               <a:rPr lang="en-US" sz="1600" dirty="0" err="1"/>
@@ -4525,7 +4615,7 @@
             </a:r>
             <a:r>
               <a:rPr lang="en-US" sz="1600" dirty="0"/>
-              <a:t> ...) to detect whether a specific service/function is working normally.</a:t>
+              <a:t> ...) to detect whether a specific node / service / program / function is working normally.</a:t>
             </a:r>
           </a:p>
           <a:p>
@@ -4546,7 +4636,7 @@
             </a:r>
             <a:r>
               <a:rPr lang="en-US" sz="1600" dirty="0"/>
-              <a:t>:  A agent collects and schedule several different kinds of probers to check the entire availably of one or multiple targets’ state in the cluster.</a:t>
+              <a:t>:  A agent collects and schedules several different kinds of probers to check the entire availably of one or multiple targets’ working state in the cluster.</a:t>
             </a:r>
           </a:p>
           <a:p>
@@ -4567,7 +4657,7 @@
             </a:r>
             <a:r>
               <a:rPr lang="en-US" sz="1600" dirty="0"/>
-              <a:t>: A data visualization and analysis system provides database to archive data,  a web-based dashboard for user to check the monitored cluster's state and the interface for user to plug in their score calculation formular/function. </a:t>
+              <a:t>: A data visualization and analysis system provides database to archive data,  a web-based dashboard for user to check the monitored cluster's state and the interface for user to plug in their score calculation formular / function are also provided. </a:t>
             </a:r>
           </a:p>
         </p:txBody>
@@ -4600,8 +4690,8 @@
         </p:blipFill>
         <p:spPr>
           <a:xfrm>
-            <a:off x="5245053" y="2905760"/>
-            <a:ext cx="6760894" cy="3383280"/>
+            <a:off x="5029841" y="2798064"/>
+            <a:ext cx="6976106" cy="3490976"/>
           </a:xfrm>
           <a:prstGeom prst="rect">
             <a:avLst/>
@@ -4628,7 +4718,7 @@
         </p:nvSpPr>
         <p:spPr>
           <a:xfrm>
-            <a:off x="5173472" y="2430345"/>
+            <a:off x="5127752" y="2347323"/>
             <a:ext cx="2355088" cy="307777"/>
           </a:xfrm>
           <a:prstGeom prst="rect">
@@ -4690,10 +4780,10 @@
       </p:grpSpPr>
       <p:pic>
         <p:nvPicPr>
-          <p:cNvPr id="23" name="Picture 22" descr="Graphical user interface&#10;&#10;Description automatically generated">
-            <a:extLst>
-              <a:ext uri="{FF2B5EF4-FFF2-40B4-BE49-F238E27FC236}">
-                <a16:creationId xmlns:a16="http://schemas.microsoft.com/office/drawing/2014/main" id="{5CF881D7-DA1F-80C8-458E-F03FCC880733}"/>
+          <p:cNvPr id="3" name="Picture 2" descr="A screenshot of a computer&#10;&#10;Description automatically generated with medium confidence">
+            <a:extLst>
+              <a:ext uri="{FF2B5EF4-FFF2-40B4-BE49-F238E27FC236}">
+                <a16:creationId xmlns:a16="http://schemas.microsoft.com/office/drawing/2014/main" id="{D563879B-1A7F-0A59-6846-B8448D987068}"/>
               </a:ext>
             </a:extLst>
           </p:cNvPr>
@@ -4716,8 +4806,8 @@
         </p:blipFill>
         <p:spPr>
           <a:xfrm>
-            <a:off x="558059" y="1390283"/>
-            <a:ext cx="9714442" cy="5221513"/>
+            <a:off x="493059" y="1459069"/>
+            <a:ext cx="9760363" cy="5246195"/>
           </a:xfrm>
           <a:prstGeom prst="rect">
             <a:avLst/>
@@ -4829,8 +4919,8 @@
         </p:nvCxnSpPr>
         <p:spPr>
           <a:xfrm>
-            <a:off x="8605520" y="1239520"/>
-            <a:ext cx="0" cy="802640"/>
+            <a:off x="9241245" y="1239520"/>
+            <a:ext cx="0" cy="921440"/>
           </a:xfrm>
           <a:prstGeom prst="straightConnector1">
             <a:avLst/>
@@ -4922,8 +5012,8 @@
         </p:nvCxnSpPr>
         <p:spPr>
           <a:xfrm>
-            <a:off x="1778000" y="1293678"/>
-            <a:ext cx="0" cy="1097489"/>
+            <a:off x="2953657" y="1293678"/>
+            <a:ext cx="0" cy="1330513"/>
           </a:xfrm>
           <a:prstGeom prst="straightConnector1">
             <a:avLst/>
@@ -4964,8 +5054,8 @@
         </p:nvSpPr>
         <p:spPr>
           <a:xfrm>
-            <a:off x="965199" y="2397760"/>
-            <a:ext cx="4602463" cy="2804160"/>
+            <a:off x="930364" y="2705471"/>
+            <a:ext cx="4480560" cy="2678486"/>
           </a:xfrm>
           <a:prstGeom prst="rect">
             <a:avLst/>
@@ -5066,8 +5156,8 @@
         </p:nvCxnSpPr>
         <p:spPr>
           <a:xfrm>
-            <a:off x="4795520" y="1239520"/>
-            <a:ext cx="0" cy="671983"/>
+            <a:off x="5683794" y="1239520"/>
+            <a:ext cx="0" cy="921440"/>
           </a:xfrm>
           <a:prstGeom prst="straightConnector1">
             <a:avLst/>
@@ -5201,7 +5291,7 @@
         </p:nvSpPr>
         <p:spPr>
           <a:xfrm>
-            <a:off x="7875973" y="2397760"/>
+            <a:off x="7875973" y="2737393"/>
             <a:ext cx="2273865" cy="1341120"/>
           </a:xfrm>
           <a:prstGeom prst="rect">
@@ -5301,7 +5391,7 @@
         </p:nvSpPr>
         <p:spPr>
           <a:xfrm>
-            <a:off x="926041" y="5346961"/>
+            <a:off x="926041" y="5495010"/>
             <a:ext cx="4519719" cy="1175759"/>
           </a:xfrm>
           <a:prstGeom prst="rect">
@@ -5456,7 +5546,7 @@
         <p:spPr>
           <a:xfrm>
             <a:off x="847117" y="1675626"/>
-            <a:ext cx="1510002" cy="235877"/>
+            <a:ext cx="1509992" cy="485334"/>
           </a:xfrm>
           <a:prstGeom prst="rect">
             <a:avLst/>
@@ -5790,7 +5880,15 @@
             <a:pPr algn="just"/>
             <a:r>
               <a:rPr lang="en-US" sz="1600" b="1" dirty="0"/>
-              <a:t>Service Prober Repository is a prober module lib to provide the service/program function check function. The prober function can be categorized to three parts: local service probers, children agent prober and network probers.</a:t>
+              <a:t>Service Prober Repository is a prober module lib to provide the service / program function check function. The prober function can be categorized to three parts: local service probers, children agent prober and network </a:t>
+            </a:r>
+            <a:r>
+              <a:rPr lang="en-US" sz="1600" b="1" dirty="0" err="1"/>
+              <a:t>serice</a:t>
+            </a:r>
+            <a:r>
+              <a:rPr lang="en-US" sz="1600" b="1" dirty="0"/>
+              <a:t> probers.</a:t>
             </a:r>
           </a:p>
         </p:txBody>
@@ -5830,7 +5928,7 @@
             </a:r>
             <a:r>
               <a:rPr lang="en-US" sz="1600" dirty="0"/>
-              <a:t>The local service prober will run inside the target node to monitor the nodes resource usage (CPU%, Memory, Hard disk, user), network state (port opened, connection, NIC I/O state), local program execution state (process) and file system modification. The probe function is shown below  </a:t>
+              <a:t>The local service prober will run inside the target node to monitor the nodes resource usage (CPU%, Memory, Hard disk, user), network state (port opened, connection, NIC I/O state), local program execution state (process) and file system modification. The probers details are shown below:  </a:t>
             </a:r>
           </a:p>
         </p:txBody>
@@ -5850,7 +5948,7 @@
           <p:nvPr>
             <p:extLst>
               <p:ext uri="{D42A27DB-BD31-4B8C-83A1-F6EECF244321}">
-                <p14:modId xmlns:p14="http://schemas.microsoft.com/office/powerpoint/2010/main" val="4122501678"/>
+                <p14:modId xmlns:p14="http://schemas.microsoft.com/office/powerpoint/2010/main" val="4116903542"/>
               </p:ext>
             </p:extLst>
           </p:nvPr>
@@ -6044,7 +6142,7 @@
                           <a:ea typeface="+mn-ea"/>
                           <a:cs typeface="+mn-cs"/>
                         </a:rPr>
-                        <a:t>Process execution, service port opened, program log check.</a:t>
+                        <a:t>Program execution, process started, service port opened, program log check.</a:t>
                       </a:r>
                       <a:endParaRPr lang="en-SG" sz="1200" dirty="0"/>
                     </a:p>
@@ -6096,7 +6194,7 @@
             </a:r>
             <a:r>
               <a:rPr lang="en-US" sz="1600" dirty="0"/>
-              <a:t>The service prober run outside the target nodes to check the node's service through network. The probe function provide is shown below: </a:t>
+              <a:t>The service prober run outside the target nodes to check the node's services state through network. The probe functions provided are shown below: </a:t>
             </a:r>
           </a:p>
         </p:txBody>
@@ -6116,14 +6214,14 @@
           <p:nvPr>
             <p:extLst>
               <p:ext uri="{D42A27DB-BD31-4B8C-83A1-F6EECF244321}">
-                <p14:modId xmlns:p14="http://schemas.microsoft.com/office/powerpoint/2010/main" val="2691628322"/>
+                <p14:modId xmlns:p14="http://schemas.microsoft.com/office/powerpoint/2010/main" val="2964749217"/>
               </p:ext>
             </p:extLst>
           </p:nvPr>
         </p:nvGraphicFramePr>
         <p:xfrm>
           <a:off x="5664327" y="2623421"/>
-          <a:ext cx="6456509" cy="4147177"/>
+          <a:ext cx="6456509" cy="4177657"/>
         </p:xfrm>
         <a:graphic>
           <a:graphicData uri="http://schemas.openxmlformats.org/drawingml/2006/table">
@@ -6251,7 +6349,7 @@
                     <a:p>
                       <a:r>
                         <a:rPr lang="en-US" sz="1200" dirty="0"/>
-                        <a:t>Use a customized Nmap lib check the node's request service ports are opened.</a:t>
+                        <a:t>Use a customized Nmap lib check whether the node's request service ports are opened.</a:t>
                       </a:r>
                       <a:endParaRPr lang="en-SG" sz="1200" dirty="0"/>
                     </a:p>
@@ -6599,7 +6697,7 @@
                     <a:lstStyle/>
                     <a:p>
                       <a:r>
-                        <a:rPr lang="en-US" sz="1100" b="1" i="0" kern="1200" dirty="0">
+                        <a:rPr lang="en-US" sz="1200" b="1" i="0" kern="1200" dirty="0">
                           <a:solidFill>
                             <a:schemeClr val="dk1"/>
                           </a:solidFill>
@@ -6611,7 +6709,7 @@
                         <a:t>TCP/UDP </a:t>
                       </a:r>
                       <a:r>
-                        <a:rPr lang="en-US" sz="1100" b="0" i="0" kern="1200" dirty="0">
+                        <a:rPr lang="en-US" sz="1200" b="0" i="0" kern="1200" dirty="0">
                           <a:solidFill>
                             <a:schemeClr val="dk1"/>
                           </a:solidFill>
@@ -6622,7 +6720,7 @@
                         </a:rPr>
                         <a:t>service prober: Service use TCP/UDP connection. (such as MS-Teams, Skype service)</a:t>
                       </a:r>
-                      <a:endParaRPr lang="en-SG" sz="1100" dirty="0"/>
+                      <a:endParaRPr lang="en-SG" sz="1200" dirty="0"/>
                     </a:p>
                   </a:txBody>
                   <a:tcPr/>
@@ -6650,14 +6748,14 @@
                     <a:lstStyle/>
                     <a:p>
                       <a:r>
-                        <a:rPr lang="en-US" sz="1100" b="1" dirty="0"/>
+                        <a:rPr lang="en-US" sz="1200" b="1" dirty="0"/>
                         <a:t>Database</a:t>
                       </a:r>
                       <a:r>
-                        <a:rPr lang="en-US" sz="1100" dirty="0"/>
+                        <a:rPr lang="en-US" sz="1200" dirty="0"/>
                         <a:t> service prober: Check the database connection</a:t>
                       </a:r>
-                      <a:endParaRPr lang="en-SG" sz="1100" dirty="0"/>
+                      <a:endParaRPr lang="en-SG" sz="1200" dirty="0"/>
                     </a:p>
                   </a:txBody>
                   <a:tcPr/>
@@ -6687,7 +6785,7 @@
         <p:spPr>
           <a:xfrm>
             <a:off x="579105" y="5673151"/>
-            <a:ext cx="4662018" cy="584775"/>
+            <a:ext cx="4662018" cy="1077218"/>
           </a:xfrm>
           <a:prstGeom prst="rect">
             <a:avLst/>
@@ -6707,7 +6805,7 @@
             </a:r>
             <a:r>
               <a:rPr lang="en-US" sz="1600" dirty="0"/>
-              <a:t>A prober to fetch data from other prober agent program and merge the data. </a:t>
+              <a:t>A prober to fetch data from other prober agent program and merge the data. This prober is used for link the subnets which only linked with jump host without set routing table.  </a:t>
             </a:r>
           </a:p>
         </p:txBody>
@@ -6873,7 +6971,7 @@
             <a:pPr algn="just"/>
             <a:r>
               <a:rPr lang="en-US" sz="1600" b="1" dirty="0"/>
-              <a:t>An agent program collects and schedule several different kinds of probers based on the config profile to check the entire service availably of a small cluster.  The prober agent provides below 5 main features: </a:t>
+              <a:t>An agent program collects and schedules several different kinds of probers based on the customized config profile to check the entire service availably of a small cluster.  The prober agent provides below 5 main features: </a:t>
             </a:r>
           </a:p>
         </p:txBody>
@@ -6893,7 +6991,7 @@
         <p:spPr>
           <a:xfrm>
             <a:off x="502834" y="1946448"/>
-            <a:ext cx="5593165" cy="4770537"/>
+            <a:ext cx="5593165" cy="4524315"/>
           </a:xfrm>
           <a:prstGeom prst="rect">
             <a:avLst/>
@@ -6916,7 +7014,7 @@
             </a:r>
             <a:r>
               <a:rPr lang="en-US" sz="1600" dirty="0"/>
-              <a:t>: user can easily use their customized profile to config all probers’ execution timeline</a:t>
+              <a:t>: User can easily use their customized profile to config all probers’ execution timeline.</a:t>
             </a:r>
           </a:p>
           <a:p>
@@ -6944,7 +7042,7 @@
             </a:r>
             <a:r>
               <a:rPr lang="en-US" sz="1600" dirty="0"/>
-              <a:t>: It also provides the interface for customer to plugin their customized prober function for specific service (such as a billing server check program as prober)</a:t>
+              <a:t>: It also provides the interface for customer to plugin their customized probe function for specific service (such as a check a billing server).</a:t>
             </a:r>
           </a:p>
           <a:p>
@@ -6958,7 +7056,7 @@
             </a:r>
             <a:r>
               <a:rPr lang="en-US" sz="1600" dirty="0"/>
-              <a:t>: To avoid changing the original routing config of a cluster, a prober agent can also fetch data from the other touchable probers to build a data translation bus/chain to make the deployment easier.</a:t>
+              <a:t>: To avoid changing the original routing config of a cluster, a prober agent can also fetch data from the other touchable prober agents to build a data translation bus/chain to make the deployment easier.</a:t>
             </a:r>
           </a:p>
           <a:p>
@@ -7217,7 +7315,7 @@
             <a:pPr algn="just"/>
             <a:r>
               <a:rPr lang="en-US" sz="1600" b="1" dirty="0"/>
-              <a:t>The monitor hub is a data process analysis and visualization system. All the prober agent will report their monitor result to the monitor hub via communication manager. The monitor hub  provides a web-based dashboard (currently we use Grafana ) for users to check the monitored cluster's state, a topology diagram to show the clusters service online state and it also provides the interface for user to plug in their score calculation formular/function. The data flow diagram is shown on the right side. </a:t>
+              <a:t>The monitor hub is a data processing, analysis and visualization system. All the prober agents will report their monitor result to the monitor hub via communication manager. The monitor hub  provides a web-based dashboard (currently we are using Grafana) for users to check the monitored cluster's state, a topology diagram to show the clusters’ services online state and it also provides the interface for user to plug in their score calculation formular/function. The data flow diagram is shown on the right side. </a:t>
             </a:r>
           </a:p>
           <a:p>
@@ -8564,7 +8662,23 @@
                   <a:srgbClr val="002060"/>
                 </a:solidFill>
               </a:rPr>
-              <a:t>Service monitor dashboard: </a:t>
+              <a:t>Service monitor dashboard [</a:t>
+            </a:r>
+            <a:r>
+              <a:rPr lang="en-US" sz="1400" b="1" dirty="0" err="1">
+                <a:solidFill>
+                  <a:srgbClr val="002060"/>
+                </a:solidFill>
+              </a:rPr>
+              <a:t>init</a:t>
+            </a:r>
+            <a:r>
+              <a:rPr lang="en-US" sz="1400" b="1" dirty="0">
+                <a:solidFill>
+                  <a:srgbClr val="002060"/>
+                </a:solidFill>
+              </a:rPr>
+              <a:t> state]: </a:t>
             </a:r>
             <a:endParaRPr lang="en-SG" sz="1400" b="1" dirty="0">
               <a:solidFill>
@@ -8578,6 +8692,205 @@
     <p:extLst>
       <p:ext uri="{BB962C8B-B14F-4D97-AF65-F5344CB8AC3E}">
         <p14:creationId xmlns:p14="http://schemas.microsoft.com/office/powerpoint/2010/main" val="2233214903"/>
+      </p:ext>
+    </p:extLst>
+  </p:cSld>
+  <p:clrMapOvr>
+    <a:masterClrMapping/>
+  </p:clrMapOvr>
+</p:sld>
+</file>
+
+<file path=ppt/slides/slide9.xml><?xml version="1.0" encoding="utf-8"?>
+<p:sld xmlns:a="http://schemas.openxmlformats.org/drawingml/2006/main" xmlns:r="http://schemas.openxmlformats.org/officeDocument/2006/relationships" xmlns:p="http://schemas.openxmlformats.org/presentationml/2006/main">
+  <p:cSld>
+    <p:spTree>
+      <p:nvGrpSpPr>
+        <p:cNvPr id="1" name=""/>
+        <p:cNvGrpSpPr/>
+        <p:nvPr/>
+      </p:nvGrpSpPr>
+      <p:grpSpPr>
+        <a:xfrm>
+          <a:off x="0" y="0"/>
+          <a:ext cx="0" cy="0"/>
+          <a:chOff x="0" y="0"/>
+          <a:chExt cx="0" cy="0"/>
+        </a:xfrm>
+      </p:grpSpPr>
+      <p:sp>
+        <p:nvSpPr>
+          <p:cNvPr id="4" name="TextBox 3">
+            <a:extLst>
+              <a:ext uri="{FF2B5EF4-FFF2-40B4-BE49-F238E27FC236}">
+                <a16:creationId xmlns:a16="http://schemas.microsoft.com/office/drawing/2014/main" id="{B2EE9385-272D-78F8-37EF-D7BFBD2E461E}"/>
+              </a:ext>
+            </a:extLst>
+          </p:cNvPr>
+          <p:cNvSpPr txBox="1"/>
+          <p:nvPr/>
+        </p:nvSpPr>
+        <p:spPr>
+          <a:xfrm>
+            <a:off x="0" y="-12557"/>
+            <a:ext cx="12191999" cy="461665"/>
+          </a:xfrm>
+          <a:prstGeom prst="rect">
+            <a:avLst/>
+          </a:prstGeom>
+          <a:solidFill>
+            <a:schemeClr val="accent1">
+              <a:lumMod val="75000"/>
+            </a:schemeClr>
+          </a:solidFill>
+          <a:ln>
+            <a:solidFill>
+              <a:schemeClr val="tx1"/>
+            </a:solidFill>
+          </a:ln>
+        </p:spPr>
+        <p:txBody>
+          <a:bodyPr wrap="square" rtlCol="0">
+            <a:spAutoFit/>
+          </a:bodyPr>
+          <a:lstStyle/>
+          <a:p>
+            <a:r>
+              <a:rPr lang="en-SG" sz="2400" dirty="0">
+                <a:solidFill>
+                  <a:schemeClr val="bg1"/>
+                </a:solidFill>
+              </a:rPr>
+              <a:t>Cluster Service Health Monitor [ Use Case]</a:t>
+            </a:r>
+            <a:endParaRPr lang="en-SG" sz="2400" dirty="0">
+              <a:solidFill>
+                <a:srgbClr val="FF0000"/>
+              </a:solidFill>
+            </a:endParaRPr>
+          </a:p>
+        </p:txBody>
+      </p:sp>
+      <p:pic>
+        <p:nvPicPr>
+          <p:cNvPr id="5" name="Picture 4" descr="Graphical user interface, text&#10;&#10;Description automatically generated with medium confidence">
+            <a:extLst>
+              <a:ext uri="{FF2B5EF4-FFF2-40B4-BE49-F238E27FC236}">
+                <a16:creationId xmlns:a16="http://schemas.microsoft.com/office/drawing/2014/main" id="{CCBDD8B4-58ED-392B-004A-4336DFD8CA6A}"/>
+              </a:ext>
+            </a:extLst>
+          </p:cNvPr>
+          <p:cNvPicPr>
+            <a:picLocks noChangeAspect="1"/>
+          </p:cNvPicPr>
+          <p:nvPr/>
+        </p:nvPicPr>
+        <p:blipFill>
+          <a:blip r:embed="rId3">
+            <a:extLst>
+              <a:ext uri="{28A0092B-C50C-407E-A947-70E740481C1C}">
+                <a14:useLocalDpi xmlns:a14="http://schemas.microsoft.com/office/drawing/2010/main" val="0"/>
+              </a:ext>
+            </a:extLst>
+          </a:blip>
+          <a:stretch>
+            <a:fillRect/>
+          </a:stretch>
+        </p:blipFill>
+        <p:spPr>
+          <a:xfrm>
+            <a:off x="10527245" y="53310"/>
+            <a:ext cx="1598494" cy="348275"/>
+          </a:xfrm>
+          <a:prstGeom prst="rect">
+            <a:avLst/>
+          </a:prstGeom>
+        </p:spPr>
+      </p:pic>
+      <p:sp>
+        <p:nvSpPr>
+          <p:cNvPr id="7" name="TextBox 6">
+            <a:extLst>
+              <a:ext uri="{FF2B5EF4-FFF2-40B4-BE49-F238E27FC236}">
+                <a16:creationId xmlns:a16="http://schemas.microsoft.com/office/drawing/2014/main" id="{716B152F-2C76-0E63-BC5A-DD26007EE693}"/>
+              </a:ext>
+            </a:extLst>
+          </p:cNvPr>
+          <p:cNvSpPr txBox="1"/>
+          <p:nvPr/>
+        </p:nvSpPr>
+        <p:spPr>
+          <a:xfrm>
+            <a:off x="305168" y="598204"/>
+            <a:ext cx="4718406" cy="307777"/>
+          </a:xfrm>
+          <a:prstGeom prst="rect">
+            <a:avLst/>
+          </a:prstGeom>
+          <a:noFill/>
+        </p:spPr>
+        <p:txBody>
+          <a:bodyPr wrap="square" rtlCol="0">
+            <a:spAutoFit/>
+          </a:bodyPr>
+          <a:lstStyle/>
+          <a:p>
+            <a:r>
+              <a:rPr lang="en-US" sz="1400" b="1" dirty="0">
+                <a:solidFill>
+                  <a:srgbClr val="002060"/>
+                </a:solidFill>
+              </a:rPr>
+              <a:t>Service monitor dashboard [life data]: </a:t>
+            </a:r>
+            <a:endParaRPr lang="en-SG" sz="1400" b="1" dirty="0">
+              <a:solidFill>
+                <a:srgbClr val="002060"/>
+              </a:solidFill>
+            </a:endParaRPr>
+          </a:p>
+        </p:txBody>
+      </p:sp>
+      <p:pic>
+        <p:nvPicPr>
+          <p:cNvPr id="9" name="Picture 8" descr="A screenshot of a computer&#10;&#10;Description automatically generated with medium confidence">
+            <a:extLst>
+              <a:ext uri="{FF2B5EF4-FFF2-40B4-BE49-F238E27FC236}">
+                <a16:creationId xmlns:a16="http://schemas.microsoft.com/office/drawing/2014/main" id="{D37F1999-3011-74D5-8223-71A451A15F7A}"/>
+              </a:ext>
+            </a:extLst>
+          </p:cNvPr>
+          <p:cNvPicPr>
+            <a:picLocks noChangeAspect="1"/>
+          </p:cNvPicPr>
+          <p:nvPr/>
+        </p:nvPicPr>
+        <p:blipFill>
+          <a:blip r:embed="rId4">
+            <a:extLst>
+              <a:ext uri="{28A0092B-C50C-407E-A947-70E740481C1C}">
+                <a14:useLocalDpi xmlns:a14="http://schemas.microsoft.com/office/drawing/2010/main" val="0"/>
+              </a:ext>
+            </a:extLst>
+          </a:blip>
+          <a:stretch>
+            <a:fillRect/>
+          </a:stretch>
+        </p:blipFill>
+        <p:spPr>
+          <a:xfrm>
+            <a:off x="383177" y="983524"/>
+            <a:ext cx="10830077" cy="5821166"/>
+          </a:xfrm>
+          <a:prstGeom prst="rect">
+            <a:avLst/>
+          </a:prstGeom>
+        </p:spPr>
+      </p:pic>
+    </p:spTree>
+    <p:extLst>
+      <p:ext uri="{BB962C8B-B14F-4D97-AF65-F5344CB8AC3E}">
+        <p14:creationId xmlns:p14="http://schemas.microsoft.com/office/powerpoint/2010/main" val="3898307376"/>
       </p:ext>
     </p:extLst>
   </p:cSld>

--- a/doc/Cluster Service Health Monitor_DesignDoc.pptx
+++ b/doc/Cluster Service Health Monitor_DesignDoc.pptx
@@ -205,7 +205,7 @@
           <a:p>
             <a:fld id="{E122AC02-B92E-41D9-886A-21087C8DA947}" type="datetimeFigureOut">
               <a:rPr lang="en-SG" smtClean="0"/>
-              <a:t>23/3/2023</a:t>
+              <a:t>27/3/2023</a:t>
             </a:fld>
             <a:endParaRPr lang="en-SG"/>
           </a:p>
@@ -1126,7 +1126,7 @@
           <a:p>
             <a:fld id="{0D7D87DA-52D1-4FCF-86E4-E01EA409C95E}" type="datetimeFigureOut">
               <a:rPr lang="en-SG" smtClean="0"/>
-              <a:t>23/3/2023</a:t>
+              <a:t>27/3/2023</a:t>
             </a:fld>
             <a:endParaRPr lang="en-SG"/>
           </a:p>
@@ -1326,7 +1326,7 @@
           <a:p>
             <a:fld id="{0D7D87DA-52D1-4FCF-86E4-E01EA409C95E}" type="datetimeFigureOut">
               <a:rPr lang="en-SG" smtClean="0"/>
-              <a:t>23/3/2023</a:t>
+              <a:t>27/3/2023</a:t>
             </a:fld>
             <a:endParaRPr lang="en-SG"/>
           </a:p>
@@ -1536,7 +1536,7 @@
           <a:p>
             <a:fld id="{0D7D87DA-52D1-4FCF-86E4-E01EA409C95E}" type="datetimeFigureOut">
               <a:rPr lang="en-SG" smtClean="0"/>
-              <a:t>23/3/2023</a:t>
+              <a:t>27/3/2023</a:t>
             </a:fld>
             <a:endParaRPr lang="en-SG"/>
           </a:p>
@@ -1736,7 +1736,7 @@
           <a:p>
             <a:fld id="{0D7D87DA-52D1-4FCF-86E4-E01EA409C95E}" type="datetimeFigureOut">
               <a:rPr lang="en-SG" smtClean="0"/>
-              <a:t>23/3/2023</a:t>
+              <a:t>27/3/2023</a:t>
             </a:fld>
             <a:endParaRPr lang="en-SG"/>
           </a:p>
@@ -2012,7 +2012,7 @@
           <a:p>
             <a:fld id="{0D7D87DA-52D1-4FCF-86E4-E01EA409C95E}" type="datetimeFigureOut">
               <a:rPr lang="en-SG" smtClean="0"/>
-              <a:t>23/3/2023</a:t>
+              <a:t>27/3/2023</a:t>
             </a:fld>
             <a:endParaRPr lang="en-SG"/>
           </a:p>
@@ -2280,7 +2280,7 @@
           <a:p>
             <a:fld id="{0D7D87DA-52D1-4FCF-86E4-E01EA409C95E}" type="datetimeFigureOut">
               <a:rPr lang="en-SG" smtClean="0"/>
-              <a:t>23/3/2023</a:t>
+              <a:t>27/3/2023</a:t>
             </a:fld>
             <a:endParaRPr lang="en-SG"/>
           </a:p>
@@ -2695,7 +2695,7 @@
           <a:p>
             <a:fld id="{0D7D87DA-52D1-4FCF-86E4-E01EA409C95E}" type="datetimeFigureOut">
               <a:rPr lang="en-SG" smtClean="0"/>
-              <a:t>23/3/2023</a:t>
+              <a:t>27/3/2023</a:t>
             </a:fld>
             <a:endParaRPr lang="en-SG"/>
           </a:p>
@@ -2837,7 +2837,7 @@
           <a:p>
             <a:fld id="{0D7D87DA-52D1-4FCF-86E4-E01EA409C95E}" type="datetimeFigureOut">
               <a:rPr lang="en-SG" smtClean="0"/>
-              <a:t>23/3/2023</a:t>
+              <a:t>27/3/2023</a:t>
             </a:fld>
             <a:endParaRPr lang="en-SG"/>
           </a:p>
@@ -2950,7 +2950,7 @@
           <a:p>
             <a:fld id="{0D7D87DA-52D1-4FCF-86E4-E01EA409C95E}" type="datetimeFigureOut">
               <a:rPr lang="en-SG" smtClean="0"/>
-              <a:t>23/3/2023</a:t>
+              <a:t>27/3/2023</a:t>
             </a:fld>
             <a:endParaRPr lang="en-SG"/>
           </a:p>
@@ -3263,7 +3263,7 @@
           <a:p>
             <a:fld id="{0D7D87DA-52D1-4FCF-86E4-E01EA409C95E}" type="datetimeFigureOut">
               <a:rPr lang="en-SG" smtClean="0"/>
-              <a:t>23/3/2023</a:t>
+              <a:t>27/3/2023</a:t>
             </a:fld>
             <a:endParaRPr lang="en-SG"/>
           </a:p>
@@ -3552,7 +3552,7 @@
           <a:p>
             <a:fld id="{0D7D87DA-52D1-4FCF-86E4-E01EA409C95E}" type="datetimeFigureOut">
               <a:rPr lang="en-SG" smtClean="0"/>
-              <a:t>23/3/2023</a:t>
+              <a:t>27/3/2023</a:t>
             </a:fld>
             <a:endParaRPr lang="en-SG"/>
           </a:p>
@@ -3795,7 +3795,7 @@
           <a:p>
             <a:fld id="{0D7D87DA-52D1-4FCF-86E4-E01EA409C95E}" type="datetimeFigureOut">
               <a:rPr lang="en-SG" smtClean="0"/>
-              <a:t>23/3/2023</a:t>
+              <a:t>27/3/2023</a:t>
             </a:fld>
             <a:endParaRPr lang="en-SG"/>
           </a:p>
@@ -5880,15 +5880,15 @@
             <a:pPr algn="just"/>
             <a:r>
               <a:rPr lang="en-US" sz="1600" b="1" dirty="0"/>
-              <a:t>Service Prober Repository is a prober module lib to provide the service / program function check function. The prober function can be categorized to three parts: local service probers, children agent prober and network </a:t>
-            </a:r>
-            <a:r>
-              <a:rPr lang="en-US" sz="1600" b="1" dirty="0" err="1"/>
-              <a:t>serice</a:t>
+              <a:t>Service Prober Repository is a prober module lib to provide the service / program function check function. The prober function can be categorized to three parts: local service probers, children agent prober and </a:t>
+            </a:r>
+            <a:r>
+              <a:rPr lang="en-US" sz="1600" b="1"/>
+              <a:t>network service probers</a:t>
             </a:r>
             <a:r>
               <a:rPr lang="en-US" sz="1600" b="1" dirty="0"/>
-              <a:t> probers.</a:t>
+              <a:t>.</a:t>
             </a:r>
           </a:p>
         </p:txBody>
